--- a/Tutorial.pptx
+++ b/Tutorial.pptx
@@ -11,9 +11,9 @@
     <p:sldId id="259" r:id="rId5"/>
     <p:sldId id="260" r:id="rId6"/>
     <p:sldId id="261" r:id="rId7"/>
-    <p:sldId id="262" r:id="rId8"/>
-    <p:sldId id="263" r:id="rId9"/>
-    <p:sldId id="264" r:id="rId10"/>
+    <p:sldId id="264" r:id="rId8"/>
+    <p:sldId id="265" r:id="rId9"/>
+    <p:sldId id="266" r:id="rId10"/>
   </p:sldIdLst>
   <p:sldSz cx="9144000" cy="6858000" type="screen4x3"/>
   <p:notesSz cx="6858000" cy="9144000"/>
@@ -309,7 +309,7 @@
             <a:fld id="{451DEABC-D766-4322-8E78-B830FAE35C72}" type="datetime4">
               <a:rPr lang="en-US" smtClean="0"/>
               <a:pPr/>
-              <a:t>April 27, 2015</a:t>
+              <a:t>April 30, 2015</a:t>
             </a:fld>
             <a:endParaRPr lang="en-US" dirty="0"/>
           </a:p>
@@ -576,7 +576,7 @@
             <a:fld id="{F3131F9E-604E-4343-9F29-EF72E8231CAD}" type="datetime4">
               <a:rPr lang="en-US" smtClean="0"/>
               <a:pPr/>
-              <a:t>April 27, 2015</a:t>
+              <a:t>April 30, 2015</a:t>
             </a:fld>
             <a:endParaRPr lang="en-US"/>
           </a:p>
@@ -753,7 +753,7 @@
             <a:fld id="{34A8E1CE-37F8-4102-8DF9-852A0A51F293}" type="datetime4">
               <a:rPr lang="en-US" smtClean="0"/>
               <a:pPr/>
-              <a:t>April 27, 2015</a:t>
+              <a:t>April 30, 2015</a:t>
             </a:fld>
             <a:endParaRPr lang="en-US"/>
           </a:p>
@@ -920,7 +920,7 @@
             <a:fld id="{93333F43-3E86-47E4-BFBB-2476D384E1C6}" type="datetime4">
               <a:rPr lang="en-US" smtClean="0"/>
               <a:pPr/>
-              <a:t>April 27, 2015</a:t>
+              <a:t>April 30, 2015</a:t>
             </a:fld>
             <a:endParaRPr lang="en-US"/>
           </a:p>
@@ -1171,7 +1171,7 @@
             <a:fld id="{751663BA-01FC-4367-B6F3-ABB2645D55F1}" type="datetime4">
               <a:rPr lang="en-US" smtClean="0"/>
               <a:pPr/>
-              <a:t>April 27, 2015</a:t>
+              <a:t>April 30, 2015</a:t>
             </a:fld>
             <a:endParaRPr lang="en-US" dirty="0"/>
           </a:p>
@@ -1456,7 +1456,7 @@
             <a:fld id="{79B19C71-EC74-44AF-B27E-FC7DC3C3A61D}" type="datetime4">
               <a:rPr lang="en-US" smtClean="0"/>
               <a:pPr/>
-              <a:t>April 27, 2015</a:t>
+              <a:t>April 30, 2015</a:t>
             </a:fld>
             <a:endParaRPr lang="en-US"/>
           </a:p>
@@ -1897,7 +1897,7 @@
             <a:fld id="{6A5CDA29-3CBE-48EA-92AE-A996835462BA}" type="datetime4">
               <a:rPr lang="en-US" smtClean="0"/>
               <a:pPr/>
-              <a:t>April 27, 2015</a:t>
+              <a:t>April 30, 2015</a:t>
             </a:fld>
             <a:endParaRPr lang="en-US"/>
           </a:p>
@@ -2012,7 +2012,7 @@
             <a:fld id="{E29EC054-3869-4501-B163-1BBFDE8DCE04}" type="datetime4">
               <a:rPr lang="en-US" smtClean="0"/>
               <a:pPr/>
-              <a:t>April 27, 2015</a:t>
+              <a:t>April 30, 2015</a:t>
             </a:fld>
             <a:endParaRPr lang="en-US"/>
           </a:p>
@@ -2104,7 +2104,7 @@
             <a:fld id="{0A63D831-56C1-49CF-8EF7-8B9A98402BCD}" type="datetime4">
               <a:rPr lang="en-US" smtClean="0"/>
               <a:pPr/>
-              <a:t>April 27, 2015</a:t>
+              <a:t>April 30, 2015</a:t>
             </a:fld>
             <a:endParaRPr lang="en-US"/>
           </a:p>
@@ -2348,7 +2348,7 @@
             <a:fld id="{6EAD5615-7F4F-4584-84D5-CC95918C321F}" type="datetime4">
               <a:rPr lang="en-US" smtClean="0"/>
               <a:pPr/>
-              <a:t>April 27, 2015</a:t>
+              <a:t>April 30, 2015</a:t>
             </a:fld>
             <a:endParaRPr lang="en-US"/>
           </a:p>
@@ -2644,7 +2644,7 @@
             <a:fld id="{76EEA923-9BEE-48CE-9F28-5B525F399BAD}" type="datetime4">
               <a:rPr lang="en-US" smtClean="0"/>
               <a:pPr/>
-              <a:t>April 27, 2015</a:t>
+              <a:t>April 30, 2015</a:t>
             </a:fld>
             <a:endParaRPr lang="en-US"/>
           </a:p>
@@ -2940,7 +2940,7 @@
             <a:fld id="{17D0EFEE-2756-4A20-BF2A-63F0A94F99AC}" type="datetime4">
               <a:rPr lang="en-US" smtClean="0"/>
               <a:pPr/>
-              <a:t>April 27, 2015</a:t>
+              <a:t>April 30, 2015</a:t>
             </a:fld>
             <a:endParaRPr lang="en-US" dirty="0"/>
           </a:p>
@@ -3742,8 +3742,18 @@
               <a:buChar char="ü"/>
             </a:pPr>
             <a:r>
+              <a:rPr lang="en-US" sz="2800" dirty="0">
+                <a:solidFill>
+                  <a:schemeClr val="tx2">
+                    <a:lumMod val="75000"/>
+                  </a:schemeClr>
+                </a:solidFill>
+              </a:rPr>
+              <a:t>Filter and summarize</a:t>
+            </a:r>
+            <a:r>
               <a:rPr lang="en-US" sz="2800" dirty="0"/>
-              <a:t>Filter and summarize across hundreds of thousands of </a:t>
+              <a:t> across hundreds of thousands of </a:t>
             </a:r>
             <a:r>
               <a:rPr lang="en-US" sz="2800" dirty="0" smtClean="0"/>
@@ -3761,7 +3771,31 @@
             </a:r>
             <a:r>
               <a:rPr lang="en-US" sz="2800" dirty="0"/>
-              <a:t> chart, map, network graph, or custom layout  and embed or share </a:t>
+              <a:t> </a:t>
+            </a:r>
+            <a:r>
+              <a:rPr lang="en-US" sz="2800" dirty="0">
+                <a:solidFill>
+                  <a:srgbClr val="0000FF"/>
+                </a:solidFill>
+              </a:rPr>
+              <a:t>chart, map, network graph, or custom layout  and </a:t>
+            </a:r>
+            <a:r>
+              <a:rPr lang="en-US" sz="2800" dirty="0" smtClean="0">
+                <a:solidFill>
+                  <a:srgbClr val="0000FF"/>
+                </a:solidFill>
+              </a:rPr>
+              <a:t>embed in webpage </a:t>
+            </a:r>
+            <a:r>
+              <a:rPr lang="en-US" sz="2800" dirty="0">
+                <a:solidFill>
+                  <a:srgbClr val="0000FF"/>
+                </a:solidFill>
+              </a:rPr>
+              <a:t>or share </a:t>
             </a:r>
             <a:r>
               <a:rPr lang="en-US" sz="2800" dirty="0" smtClean="0"/>
@@ -3775,7 +3809,19 @@
             </a:pPr>
             <a:r>
               <a:rPr lang="en-US" sz="2800" dirty="0"/>
-              <a:t>Find public data to combine with your own for a better </a:t>
+              <a:t>Find </a:t>
+            </a:r>
+            <a:r>
+              <a:rPr lang="en-US" sz="2800" dirty="0">
+                <a:solidFill>
+                  <a:srgbClr val="008000"/>
+                </a:solidFill>
+              </a:rPr>
+              <a:t>public data to combine </a:t>
+            </a:r>
+            <a:r>
+              <a:rPr lang="en-US" sz="2800" dirty="0"/>
+              <a:t>with your own for a better </a:t>
             </a:r>
             <a:r>
               <a:rPr lang="en-US" sz="2800" dirty="0" smtClean="0"/>
@@ -3800,9 +3846,447 @@
   <p:timing>
     <p:tnLst>
       <p:par>
-        <p:cTn xmlns:p14="http://schemas.microsoft.com/office/powerpoint/2010/main" id="1" dur="indefinite" restart="never" nodeType="tmRoot"/>
+        <p:cTn xmlns:p14="http://schemas.microsoft.com/office/powerpoint/2010/main" id="1" dur="indefinite" restart="never" nodeType="tmRoot">
+          <p:childTnLst>
+            <p:seq concurrent="1" nextAc="seek">
+              <p:cTn id="2" dur="indefinite" nodeType="mainSeq">
+                <p:childTnLst>
+                  <p:par>
+                    <p:cTn id="3" fill="hold">
+                      <p:stCondLst>
+                        <p:cond delay="indefinite"/>
+                      </p:stCondLst>
+                      <p:childTnLst>
+                        <p:par>
+                          <p:cTn id="4" fill="hold">
+                            <p:stCondLst>
+                              <p:cond delay="0"/>
+                            </p:stCondLst>
+                            <p:childTnLst>
+                              <p:par>
+                                <p:cTn id="5" presetID="2" presetClass="entr" presetSubtype="4" fill="hold" grpId="0" nodeType="clickEffect">
+                                  <p:stCondLst>
+                                    <p:cond delay="0"/>
+                                  </p:stCondLst>
+                                  <p:childTnLst>
+                                    <p:set>
+                                      <p:cBhvr>
+                                        <p:cTn id="6" dur="1" fill="hold">
+                                          <p:stCondLst>
+                                            <p:cond delay="0"/>
+                                          </p:stCondLst>
+                                        </p:cTn>
+                                        <p:tgtEl>
+                                          <p:spTgt spid="3">
+                                            <p:txEl>
+                                              <p:pRg st="0" end="0"/>
+                                            </p:txEl>
+                                          </p:spTgt>
+                                        </p:tgtEl>
+                                        <p:attrNameLst>
+                                          <p:attrName>style.visibility</p:attrName>
+                                        </p:attrNameLst>
+                                      </p:cBhvr>
+                                      <p:to>
+                                        <p:strVal val="visible"/>
+                                      </p:to>
+                                    </p:set>
+                                    <p:anim calcmode="lin" valueType="num">
+                                      <p:cBhvr additive="base">
+                                        <p:cTn id="7" dur="500" fill="hold"/>
+                                        <p:tgtEl>
+                                          <p:spTgt spid="3">
+                                            <p:txEl>
+                                              <p:pRg st="0" end="0"/>
+                                            </p:txEl>
+                                          </p:spTgt>
+                                        </p:tgtEl>
+                                        <p:attrNameLst>
+                                          <p:attrName>ppt_x</p:attrName>
+                                        </p:attrNameLst>
+                                      </p:cBhvr>
+                                      <p:tavLst>
+                                        <p:tav tm="0">
+                                          <p:val>
+                                            <p:strVal val="#ppt_x"/>
+                                          </p:val>
+                                        </p:tav>
+                                        <p:tav tm="100000">
+                                          <p:val>
+                                            <p:strVal val="#ppt_x"/>
+                                          </p:val>
+                                        </p:tav>
+                                      </p:tavLst>
+                                    </p:anim>
+                                    <p:anim calcmode="lin" valueType="num">
+                                      <p:cBhvr additive="base">
+                                        <p:cTn id="8" dur="500" fill="hold"/>
+                                        <p:tgtEl>
+                                          <p:spTgt spid="3">
+                                            <p:txEl>
+                                              <p:pRg st="0" end="0"/>
+                                            </p:txEl>
+                                          </p:spTgt>
+                                        </p:tgtEl>
+                                        <p:attrNameLst>
+                                          <p:attrName>ppt_y</p:attrName>
+                                        </p:attrNameLst>
+                                      </p:cBhvr>
+                                      <p:tavLst>
+                                        <p:tav tm="0">
+                                          <p:val>
+                                            <p:strVal val="1+#ppt_h/2"/>
+                                          </p:val>
+                                        </p:tav>
+                                        <p:tav tm="100000">
+                                          <p:val>
+                                            <p:strVal val="#ppt_y"/>
+                                          </p:val>
+                                        </p:tav>
+                                      </p:tavLst>
+                                    </p:anim>
+                                  </p:childTnLst>
+                                </p:cTn>
+                              </p:par>
+                            </p:childTnLst>
+                          </p:cTn>
+                        </p:par>
+                      </p:childTnLst>
+                    </p:cTn>
+                  </p:par>
+                  <p:par>
+                    <p:cTn id="9" fill="hold">
+                      <p:stCondLst>
+                        <p:cond delay="indefinite"/>
+                      </p:stCondLst>
+                      <p:childTnLst>
+                        <p:par>
+                          <p:cTn id="10" fill="hold">
+                            <p:stCondLst>
+                              <p:cond delay="0"/>
+                            </p:stCondLst>
+                            <p:childTnLst>
+                              <p:par>
+                                <p:cTn id="11" presetID="2" presetClass="entr" presetSubtype="4" fill="hold" grpId="0" nodeType="clickEffect">
+                                  <p:stCondLst>
+                                    <p:cond delay="0"/>
+                                  </p:stCondLst>
+                                  <p:childTnLst>
+                                    <p:set>
+                                      <p:cBhvr>
+                                        <p:cTn id="12" dur="1" fill="hold">
+                                          <p:stCondLst>
+                                            <p:cond delay="0"/>
+                                          </p:stCondLst>
+                                        </p:cTn>
+                                        <p:tgtEl>
+                                          <p:spTgt spid="3">
+                                            <p:txEl>
+                                              <p:pRg st="1" end="1"/>
+                                            </p:txEl>
+                                          </p:spTgt>
+                                        </p:tgtEl>
+                                        <p:attrNameLst>
+                                          <p:attrName>style.visibility</p:attrName>
+                                        </p:attrNameLst>
+                                      </p:cBhvr>
+                                      <p:to>
+                                        <p:strVal val="visible"/>
+                                      </p:to>
+                                    </p:set>
+                                    <p:anim calcmode="lin" valueType="num">
+                                      <p:cBhvr additive="base">
+                                        <p:cTn id="13" dur="500" fill="hold"/>
+                                        <p:tgtEl>
+                                          <p:spTgt spid="3">
+                                            <p:txEl>
+                                              <p:pRg st="1" end="1"/>
+                                            </p:txEl>
+                                          </p:spTgt>
+                                        </p:tgtEl>
+                                        <p:attrNameLst>
+                                          <p:attrName>ppt_x</p:attrName>
+                                        </p:attrNameLst>
+                                      </p:cBhvr>
+                                      <p:tavLst>
+                                        <p:tav tm="0">
+                                          <p:val>
+                                            <p:strVal val="#ppt_x"/>
+                                          </p:val>
+                                        </p:tav>
+                                        <p:tav tm="100000">
+                                          <p:val>
+                                            <p:strVal val="#ppt_x"/>
+                                          </p:val>
+                                        </p:tav>
+                                      </p:tavLst>
+                                    </p:anim>
+                                    <p:anim calcmode="lin" valueType="num">
+                                      <p:cBhvr additive="base">
+                                        <p:cTn id="14" dur="500" fill="hold"/>
+                                        <p:tgtEl>
+                                          <p:spTgt spid="3">
+                                            <p:txEl>
+                                              <p:pRg st="1" end="1"/>
+                                            </p:txEl>
+                                          </p:spTgt>
+                                        </p:tgtEl>
+                                        <p:attrNameLst>
+                                          <p:attrName>ppt_y</p:attrName>
+                                        </p:attrNameLst>
+                                      </p:cBhvr>
+                                      <p:tavLst>
+                                        <p:tav tm="0">
+                                          <p:val>
+                                            <p:strVal val="1+#ppt_h/2"/>
+                                          </p:val>
+                                        </p:tav>
+                                        <p:tav tm="100000">
+                                          <p:val>
+                                            <p:strVal val="#ppt_y"/>
+                                          </p:val>
+                                        </p:tav>
+                                      </p:tavLst>
+                                    </p:anim>
+                                  </p:childTnLst>
+                                </p:cTn>
+                              </p:par>
+                            </p:childTnLst>
+                          </p:cTn>
+                        </p:par>
+                      </p:childTnLst>
+                    </p:cTn>
+                  </p:par>
+                  <p:par>
+                    <p:cTn id="15" fill="hold">
+                      <p:stCondLst>
+                        <p:cond delay="indefinite"/>
+                      </p:stCondLst>
+                      <p:childTnLst>
+                        <p:par>
+                          <p:cTn id="16" fill="hold">
+                            <p:stCondLst>
+                              <p:cond delay="0"/>
+                            </p:stCondLst>
+                            <p:childTnLst>
+                              <p:par>
+                                <p:cTn id="17" presetID="2" presetClass="entr" presetSubtype="4" fill="hold" grpId="0" nodeType="clickEffect">
+                                  <p:stCondLst>
+                                    <p:cond delay="0"/>
+                                  </p:stCondLst>
+                                  <p:childTnLst>
+                                    <p:set>
+                                      <p:cBhvr>
+                                        <p:cTn id="18" dur="1" fill="hold">
+                                          <p:stCondLst>
+                                            <p:cond delay="0"/>
+                                          </p:stCondLst>
+                                        </p:cTn>
+                                        <p:tgtEl>
+                                          <p:spTgt spid="3">
+                                            <p:txEl>
+                                              <p:pRg st="2" end="2"/>
+                                            </p:txEl>
+                                          </p:spTgt>
+                                        </p:tgtEl>
+                                        <p:attrNameLst>
+                                          <p:attrName>style.visibility</p:attrName>
+                                        </p:attrNameLst>
+                                      </p:cBhvr>
+                                      <p:to>
+                                        <p:strVal val="visible"/>
+                                      </p:to>
+                                    </p:set>
+                                    <p:anim calcmode="lin" valueType="num">
+                                      <p:cBhvr additive="base">
+                                        <p:cTn id="19" dur="500" fill="hold"/>
+                                        <p:tgtEl>
+                                          <p:spTgt spid="3">
+                                            <p:txEl>
+                                              <p:pRg st="2" end="2"/>
+                                            </p:txEl>
+                                          </p:spTgt>
+                                        </p:tgtEl>
+                                        <p:attrNameLst>
+                                          <p:attrName>ppt_x</p:attrName>
+                                        </p:attrNameLst>
+                                      </p:cBhvr>
+                                      <p:tavLst>
+                                        <p:tav tm="0">
+                                          <p:val>
+                                            <p:strVal val="#ppt_x"/>
+                                          </p:val>
+                                        </p:tav>
+                                        <p:tav tm="100000">
+                                          <p:val>
+                                            <p:strVal val="#ppt_x"/>
+                                          </p:val>
+                                        </p:tav>
+                                      </p:tavLst>
+                                    </p:anim>
+                                    <p:anim calcmode="lin" valueType="num">
+                                      <p:cBhvr additive="base">
+                                        <p:cTn id="20" dur="500" fill="hold"/>
+                                        <p:tgtEl>
+                                          <p:spTgt spid="3">
+                                            <p:txEl>
+                                              <p:pRg st="2" end="2"/>
+                                            </p:txEl>
+                                          </p:spTgt>
+                                        </p:tgtEl>
+                                        <p:attrNameLst>
+                                          <p:attrName>ppt_y</p:attrName>
+                                        </p:attrNameLst>
+                                      </p:cBhvr>
+                                      <p:tavLst>
+                                        <p:tav tm="0">
+                                          <p:val>
+                                            <p:strVal val="1+#ppt_h/2"/>
+                                          </p:val>
+                                        </p:tav>
+                                        <p:tav tm="100000">
+                                          <p:val>
+                                            <p:strVal val="#ppt_y"/>
+                                          </p:val>
+                                        </p:tav>
+                                      </p:tavLst>
+                                    </p:anim>
+                                  </p:childTnLst>
+                                </p:cTn>
+                              </p:par>
+                            </p:childTnLst>
+                          </p:cTn>
+                        </p:par>
+                      </p:childTnLst>
+                    </p:cTn>
+                  </p:par>
+                  <p:par>
+                    <p:cTn id="21" fill="hold">
+                      <p:stCondLst>
+                        <p:cond delay="indefinite"/>
+                      </p:stCondLst>
+                      <p:childTnLst>
+                        <p:par>
+                          <p:cTn id="22" fill="hold">
+                            <p:stCondLst>
+                              <p:cond delay="0"/>
+                            </p:stCondLst>
+                            <p:childTnLst>
+                              <p:par>
+                                <p:cTn id="23" presetID="2" presetClass="entr" presetSubtype="4" fill="hold" grpId="0" nodeType="clickEffect">
+                                  <p:stCondLst>
+                                    <p:cond delay="0"/>
+                                  </p:stCondLst>
+                                  <p:childTnLst>
+                                    <p:set>
+                                      <p:cBhvr>
+                                        <p:cTn id="24" dur="1" fill="hold">
+                                          <p:stCondLst>
+                                            <p:cond delay="0"/>
+                                          </p:stCondLst>
+                                        </p:cTn>
+                                        <p:tgtEl>
+                                          <p:spTgt spid="3">
+                                            <p:txEl>
+                                              <p:pRg st="3" end="3"/>
+                                            </p:txEl>
+                                          </p:spTgt>
+                                        </p:tgtEl>
+                                        <p:attrNameLst>
+                                          <p:attrName>style.visibility</p:attrName>
+                                        </p:attrNameLst>
+                                      </p:cBhvr>
+                                      <p:to>
+                                        <p:strVal val="visible"/>
+                                      </p:to>
+                                    </p:set>
+                                    <p:anim calcmode="lin" valueType="num">
+                                      <p:cBhvr additive="base">
+                                        <p:cTn id="25" dur="500" fill="hold"/>
+                                        <p:tgtEl>
+                                          <p:spTgt spid="3">
+                                            <p:txEl>
+                                              <p:pRg st="3" end="3"/>
+                                            </p:txEl>
+                                          </p:spTgt>
+                                        </p:tgtEl>
+                                        <p:attrNameLst>
+                                          <p:attrName>ppt_x</p:attrName>
+                                        </p:attrNameLst>
+                                      </p:cBhvr>
+                                      <p:tavLst>
+                                        <p:tav tm="0">
+                                          <p:val>
+                                            <p:strVal val="#ppt_x"/>
+                                          </p:val>
+                                        </p:tav>
+                                        <p:tav tm="100000">
+                                          <p:val>
+                                            <p:strVal val="#ppt_x"/>
+                                          </p:val>
+                                        </p:tav>
+                                      </p:tavLst>
+                                    </p:anim>
+                                    <p:anim calcmode="lin" valueType="num">
+                                      <p:cBhvr additive="base">
+                                        <p:cTn id="26" dur="500" fill="hold"/>
+                                        <p:tgtEl>
+                                          <p:spTgt spid="3">
+                                            <p:txEl>
+                                              <p:pRg st="3" end="3"/>
+                                            </p:txEl>
+                                          </p:spTgt>
+                                        </p:tgtEl>
+                                        <p:attrNameLst>
+                                          <p:attrName>ppt_y</p:attrName>
+                                        </p:attrNameLst>
+                                      </p:cBhvr>
+                                      <p:tavLst>
+                                        <p:tav tm="0">
+                                          <p:val>
+                                            <p:strVal val="1+#ppt_h/2"/>
+                                          </p:val>
+                                        </p:tav>
+                                        <p:tav tm="100000">
+                                          <p:val>
+                                            <p:strVal val="#ppt_y"/>
+                                          </p:val>
+                                        </p:tav>
+                                      </p:tavLst>
+                                    </p:anim>
+                                  </p:childTnLst>
+                                </p:cTn>
+                              </p:par>
+                            </p:childTnLst>
+                          </p:cTn>
+                        </p:par>
+                      </p:childTnLst>
+                    </p:cTn>
+                  </p:par>
+                </p:childTnLst>
+              </p:cTn>
+              <p:prevCondLst>
+                <p:cond evt="onPrev" delay="0">
+                  <p:tgtEl>
+                    <p:sldTgt/>
+                  </p:tgtEl>
+                </p:cond>
+              </p:prevCondLst>
+              <p:nextCondLst>
+                <p:cond evt="onNext" delay="0">
+                  <p:tgtEl>
+                    <p:sldTgt/>
+                  </p:tgtEl>
+                </p:cond>
+              </p:nextCondLst>
+            </p:seq>
+          </p:childTnLst>
+        </p:cTn>
       </p:par>
     </p:tnLst>
+    <p:bldLst>
+      <p:bldP spid="3" grpId="0" build="p"/>
+    </p:bldLst>
   </p:timing>
 </p:sld>
 </file>
@@ -5044,15 +5528,7 @@
             </a:r>
             <a:r>
               <a:rPr lang="en-US" sz="2800" b="1" dirty="0" smtClean="0"/>
-              <a:t> from </a:t>
-            </a:r>
-            <a:r>
-              <a:rPr lang="en-US" sz="2800" b="1" dirty="0" smtClean="0"/>
-              <a:t>Google web </a:t>
-            </a:r>
-            <a:r>
-              <a:rPr lang="en-US" sz="2800" b="1" dirty="0" smtClean="0"/>
-              <a:t>tables</a:t>
+              <a:t> from Google web tables</a:t>
             </a:r>
           </a:p>
           <a:p>
@@ -5665,10 +6141,10 @@
           <a:lstStyle/>
           <a:p>
             <a:r>
-              <a:rPr lang="en-US" dirty="0" smtClean="0"/>
+              <a:rPr lang="en-US" b="1" dirty="0" smtClean="0"/>
               <a:t>Mapbox studio</a:t>
             </a:r>
-            <a:endParaRPr lang="en-US" dirty="0"/>
+            <a:endParaRPr lang="en-US" b="1" dirty="0"/>
           </a:p>
         </p:txBody>
       </p:sp>
@@ -5685,7 +6161,7 @@
         <p:spPr/>
         <p:txBody>
           <a:bodyPr>
-            <a:normAutofit/>
+            <a:normAutofit lnSpcReduction="10000"/>
           </a:bodyPr>
           <a:lstStyle/>
           <a:p>
@@ -5695,8 +6171,17 @@
             </a:pPr>
             <a:r>
               <a:rPr lang="en-US" sz="3200" dirty="0" smtClean="0"/>
-              <a:t>Overview</a:t>
-            </a:r>
+              <a:t>Introduction to </a:t>
+            </a:r>
+            <a:r>
+              <a:rPr lang="en-US" sz="3200" dirty="0" err="1" smtClean="0"/>
+              <a:t>MabBox</a:t>
+            </a:r>
+            <a:r>
+              <a:rPr lang="en-US" sz="3200" dirty="0" smtClean="0"/>
+              <a:t> Studio</a:t>
+            </a:r>
+            <a:endParaRPr lang="en-US" sz="3200" dirty="0" smtClean="0"/>
           </a:p>
           <a:p>
             <a:pPr marL="342900" indent="-342900">
@@ -5715,7 +6200,7 @@
             </a:pPr>
             <a:r>
               <a:rPr lang="en-US" sz="3200" dirty="0" smtClean="0"/>
-              <a:t>Style various elements</a:t>
+              <a:t>Create custom maps with CartoCSS</a:t>
             </a:r>
           </a:p>
           <a:p>
@@ -5725,8 +6210,9 @@
             </a:pPr>
             <a:r>
               <a:rPr lang="en-US" sz="3200" dirty="0" smtClean="0"/>
-              <a:t>Upload the map to Mapbox</a:t>
-            </a:r>
+              <a:t>Styling of various layers in map</a:t>
+            </a:r>
+            <a:endParaRPr lang="en-US" sz="3200" dirty="0" smtClean="0"/>
           </a:p>
           <a:p>
             <a:pPr marL="342900" indent="-342900">
@@ -5735,11 +6221,44 @@
             </a:pPr>
             <a:r>
               <a:rPr lang="en-US" sz="3200" dirty="0" smtClean="0"/>
-              <a:t>Publish the map using </a:t>
+              <a:t>Upload the map to </a:t>
+            </a:r>
+            <a:r>
+              <a:rPr lang="en-US" sz="3200" dirty="0" smtClean="0"/>
+              <a:t>Mapbox</a:t>
+            </a:r>
+            <a:endParaRPr lang="en-US" sz="3200" dirty="0" smtClean="0"/>
+          </a:p>
+          <a:p>
+            <a:pPr marL="342900" indent="-342900">
+              <a:buFont typeface="Wingdings" charset="2"/>
+              <a:buChar char="ü"/>
+            </a:pPr>
+            <a:r>
+              <a:rPr lang="en-US" sz="3200" dirty="0" smtClean="0"/>
+              <a:t>Publish </a:t>
+            </a:r>
+            <a:r>
+              <a:rPr lang="en-US" sz="3200" dirty="0" smtClean="0"/>
+              <a:t>map</a:t>
+            </a:r>
+          </a:p>
+          <a:p>
+            <a:pPr marL="342900" indent="-342900">
+              <a:buFont typeface="Wingdings" charset="2"/>
+              <a:buChar char="ü"/>
+            </a:pPr>
+            <a:r>
+              <a:rPr lang="en-US" sz="3200" dirty="0" smtClean="0"/>
+              <a:t>Sharing map using </a:t>
+            </a:r>
+            <a:r>
+              <a:rPr lang="en-US" sz="3200" dirty="0" err="1"/>
+              <a:t>m</a:t>
             </a:r>
             <a:r>
               <a:rPr lang="en-US" sz="3200" dirty="0" err="1" smtClean="0"/>
-              <a:t>Mapbox.js</a:t>
+              <a:t>apbox.js</a:t>
             </a:r>
             <a:endParaRPr lang="en-US" sz="3200" dirty="0" smtClean="0"/>
           </a:p>
@@ -5765,9 +6284,756 @@
   <p:timing>
     <p:tnLst>
       <p:par>
-        <p:cTn xmlns:p14="http://schemas.microsoft.com/office/powerpoint/2010/main" id="1" dur="indefinite" restart="never" nodeType="tmRoot"/>
+        <p:cTn xmlns:p14="http://schemas.microsoft.com/office/powerpoint/2010/main" id="1" dur="indefinite" restart="never" nodeType="tmRoot">
+          <p:childTnLst>
+            <p:seq concurrent="1" nextAc="seek">
+              <p:cTn id="2" dur="indefinite" nodeType="mainSeq">
+                <p:childTnLst>
+                  <p:par>
+                    <p:cTn id="3" fill="hold">
+                      <p:stCondLst>
+                        <p:cond delay="indefinite"/>
+                      </p:stCondLst>
+                      <p:childTnLst>
+                        <p:par>
+                          <p:cTn id="4" fill="hold">
+                            <p:stCondLst>
+                              <p:cond delay="0"/>
+                            </p:stCondLst>
+                            <p:childTnLst>
+                              <p:par>
+                                <p:cTn id="5" presetID="2" presetClass="entr" presetSubtype="4" fill="hold" grpId="0" nodeType="clickEffect">
+                                  <p:stCondLst>
+                                    <p:cond delay="0"/>
+                                  </p:stCondLst>
+                                  <p:childTnLst>
+                                    <p:set>
+                                      <p:cBhvr>
+                                        <p:cTn id="6" dur="1" fill="hold">
+                                          <p:stCondLst>
+                                            <p:cond delay="0"/>
+                                          </p:stCondLst>
+                                        </p:cTn>
+                                        <p:tgtEl>
+                                          <p:spTgt spid="3">
+                                            <p:txEl>
+                                              <p:pRg st="0" end="0"/>
+                                            </p:txEl>
+                                          </p:spTgt>
+                                        </p:tgtEl>
+                                        <p:attrNameLst>
+                                          <p:attrName>style.visibility</p:attrName>
+                                        </p:attrNameLst>
+                                      </p:cBhvr>
+                                      <p:to>
+                                        <p:strVal val="visible"/>
+                                      </p:to>
+                                    </p:set>
+                                    <p:anim calcmode="lin" valueType="num">
+                                      <p:cBhvr additive="base">
+                                        <p:cTn id="7" dur="500" fill="hold"/>
+                                        <p:tgtEl>
+                                          <p:spTgt spid="3">
+                                            <p:txEl>
+                                              <p:pRg st="0" end="0"/>
+                                            </p:txEl>
+                                          </p:spTgt>
+                                        </p:tgtEl>
+                                        <p:attrNameLst>
+                                          <p:attrName>ppt_x</p:attrName>
+                                        </p:attrNameLst>
+                                      </p:cBhvr>
+                                      <p:tavLst>
+                                        <p:tav tm="0">
+                                          <p:val>
+                                            <p:strVal val="#ppt_x"/>
+                                          </p:val>
+                                        </p:tav>
+                                        <p:tav tm="100000">
+                                          <p:val>
+                                            <p:strVal val="#ppt_x"/>
+                                          </p:val>
+                                        </p:tav>
+                                      </p:tavLst>
+                                    </p:anim>
+                                    <p:anim calcmode="lin" valueType="num">
+                                      <p:cBhvr additive="base">
+                                        <p:cTn id="8" dur="500" fill="hold"/>
+                                        <p:tgtEl>
+                                          <p:spTgt spid="3">
+                                            <p:txEl>
+                                              <p:pRg st="0" end="0"/>
+                                            </p:txEl>
+                                          </p:spTgt>
+                                        </p:tgtEl>
+                                        <p:attrNameLst>
+                                          <p:attrName>ppt_y</p:attrName>
+                                        </p:attrNameLst>
+                                      </p:cBhvr>
+                                      <p:tavLst>
+                                        <p:tav tm="0">
+                                          <p:val>
+                                            <p:strVal val="1+#ppt_h/2"/>
+                                          </p:val>
+                                        </p:tav>
+                                        <p:tav tm="100000">
+                                          <p:val>
+                                            <p:strVal val="#ppt_y"/>
+                                          </p:val>
+                                        </p:tav>
+                                      </p:tavLst>
+                                    </p:anim>
+                                  </p:childTnLst>
+                                </p:cTn>
+                              </p:par>
+                            </p:childTnLst>
+                          </p:cTn>
+                        </p:par>
+                      </p:childTnLst>
+                    </p:cTn>
+                  </p:par>
+                  <p:par>
+                    <p:cTn id="9" fill="hold">
+                      <p:stCondLst>
+                        <p:cond delay="indefinite"/>
+                      </p:stCondLst>
+                      <p:childTnLst>
+                        <p:par>
+                          <p:cTn id="10" fill="hold">
+                            <p:stCondLst>
+                              <p:cond delay="0"/>
+                            </p:stCondLst>
+                            <p:childTnLst>
+                              <p:par>
+                                <p:cTn id="11" presetID="2" presetClass="entr" presetSubtype="4" fill="hold" grpId="0" nodeType="clickEffect">
+                                  <p:stCondLst>
+                                    <p:cond delay="0"/>
+                                  </p:stCondLst>
+                                  <p:childTnLst>
+                                    <p:set>
+                                      <p:cBhvr>
+                                        <p:cTn id="12" dur="1" fill="hold">
+                                          <p:stCondLst>
+                                            <p:cond delay="0"/>
+                                          </p:stCondLst>
+                                        </p:cTn>
+                                        <p:tgtEl>
+                                          <p:spTgt spid="3">
+                                            <p:txEl>
+                                              <p:pRg st="1" end="1"/>
+                                            </p:txEl>
+                                          </p:spTgt>
+                                        </p:tgtEl>
+                                        <p:attrNameLst>
+                                          <p:attrName>style.visibility</p:attrName>
+                                        </p:attrNameLst>
+                                      </p:cBhvr>
+                                      <p:to>
+                                        <p:strVal val="visible"/>
+                                      </p:to>
+                                    </p:set>
+                                    <p:anim calcmode="lin" valueType="num">
+                                      <p:cBhvr additive="base">
+                                        <p:cTn id="13" dur="500" fill="hold"/>
+                                        <p:tgtEl>
+                                          <p:spTgt spid="3">
+                                            <p:txEl>
+                                              <p:pRg st="1" end="1"/>
+                                            </p:txEl>
+                                          </p:spTgt>
+                                        </p:tgtEl>
+                                        <p:attrNameLst>
+                                          <p:attrName>ppt_x</p:attrName>
+                                        </p:attrNameLst>
+                                      </p:cBhvr>
+                                      <p:tavLst>
+                                        <p:tav tm="0">
+                                          <p:val>
+                                            <p:strVal val="#ppt_x"/>
+                                          </p:val>
+                                        </p:tav>
+                                        <p:tav tm="100000">
+                                          <p:val>
+                                            <p:strVal val="#ppt_x"/>
+                                          </p:val>
+                                        </p:tav>
+                                      </p:tavLst>
+                                    </p:anim>
+                                    <p:anim calcmode="lin" valueType="num">
+                                      <p:cBhvr additive="base">
+                                        <p:cTn id="14" dur="500" fill="hold"/>
+                                        <p:tgtEl>
+                                          <p:spTgt spid="3">
+                                            <p:txEl>
+                                              <p:pRg st="1" end="1"/>
+                                            </p:txEl>
+                                          </p:spTgt>
+                                        </p:tgtEl>
+                                        <p:attrNameLst>
+                                          <p:attrName>ppt_y</p:attrName>
+                                        </p:attrNameLst>
+                                      </p:cBhvr>
+                                      <p:tavLst>
+                                        <p:tav tm="0">
+                                          <p:val>
+                                            <p:strVal val="1+#ppt_h/2"/>
+                                          </p:val>
+                                        </p:tav>
+                                        <p:tav tm="100000">
+                                          <p:val>
+                                            <p:strVal val="#ppt_y"/>
+                                          </p:val>
+                                        </p:tav>
+                                      </p:tavLst>
+                                    </p:anim>
+                                  </p:childTnLst>
+                                </p:cTn>
+                              </p:par>
+                            </p:childTnLst>
+                          </p:cTn>
+                        </p:par>
+                      </p:childTnLst>
+                    </p:cTn>
+                  </p:par>
+                  <p:par>
+                    <p:cTn id="15" fill="hold">
+                      <p:stCondLst>
+                        <p:cond delay="indefinite"/>
+                      </p:stCondLst>
+                      <p:childTnLst>
+                        <p:par>
+                          <p:cTn id="16" fill="hold">
+                            <p:stCondLst>
+                              <p:cond delay="0"/>
+                            </p:stCondLst>
+                            <p:childTnLst>
+                              <p:par>
+                                <p:cTn id="17" presetID="2" presetClass="entr" presetSubtype="4" fill="hold" grpId="0" nodeType="clickEffect">
+                                  <p:stCondLst>
+                                    <p:cond delay="0"/>
+                                  </p:stCondLst>
+                                  <p:childTnLst>
+                                    <p:set>
+                                      <p:cBhvr>
+                                        <p:cTn id="18" dur="1" fill="hold">
+                                          <p:stCondLst>
+                                            <p:cond delay="0"/>
+                                          </p:stCondLst>
+                                        </p:cTn>
+                                        <p:tgtEl>
+                                          <p:spTgt spid="3">
+                                            <p:txEl>
+                                              <p:pRg st="2" end="2"/>
+                                            </p:txEl>
+                                          </p:spTgt>
+                                        </p:tgtEl>
+                                        <p:attrNameLst>
+                                          <p:attrName>style.visibility</p:attrName>
+                                        </p:attrNameLst>
+                                      </p:cBhvr>
+                                      <p:to>
+                                        <p:strVal val="visible"/>
+                                      </p:to>
+                                    </p:set>
+                                    <p:anim calcmode="lin" valueType="num">
+                                      <p:cBhvr additive="base">
+                                        <p:cTn id="19" dur="500" fill="hold"/>
+                                        <p:tgtEl>
+                                          <p:spTgt spid="3">
+                                            <p:txEl>
+                                              <p:pRg st="2" end="2"/>
+                                            </p:txEl>
+                                          </p:spTgt>
+                                        </p:tgtEl>
+                                        <p:attrNameLst>
+                                          <p:attrName>ppt_x</p:attrName>
+                                        </p:attrNameLst>
+                                      </p:cBhvr>
+                                      <p:tavLst>
+                                        <p:tav tm="0">
+                                          <p:val>
+                                            <p:strVal val="#ppt_x"/>
+                                          </p:val>
+                                        </p:tav>
+                                        <p:tav tm="100000">
+                                          <p:val>
+                                            <p:strVal val="#ppt_x"/>
+                                          </p:val>
+                                        </p:tav>
+                                      </p:tavLst>
+                                    </p:anim>
+                                    <p:anim calcmode="lin" valueType="num">
+                                      <p:cBhvr additive="base">
+                                        <p:cTn id="20" dur="500" fill="hold"/>
+                                        <p:tgtEl>
+                                          <p:spTgt spid="3">
+                                            <p:txEl>
+                                              <p:pRg st="2" end="2"/>
+                                            </p:txEl>
+                                          </p:spTgt>
+                                        </p:tgtEl>
+                                        <p:attrNameLst>
+                                          <p:attrName>ppt_y</p:attrName>
+                                        </p:attrNameLst>
+                                      </p:cBhvr>
+                                      <p:tavLst>
+                                        <p:tav tm="0">
+                                          <p:val>
+                                            <p:strVal val="1+#ppt_h/2"/>
+                                          </p:val>
+                                        </p:tav>
+                                        <p:tav tm="100000">
+                                          <p:val>
+                                            <p:strVal val="#ppt_y"/>
+                                          </p:val>
+                                        </p:tav>
+                                      </p:tavLst>
+                                    </p:anim>
+                                  </p:childTnLst>
+                                </p:cTn>
+                              </p:par>
+                            </p:childTnLst>
+                          </p:cTn>
+                        </p:par>
+                      </p:childTnLst>
+                    </p:cTn>
+                  </p:par>
+                  <p:par>
+                    <p:cTn id="21" fill="hold">
+                      <p:stCondLst>
+                        <p:cond delay="indefinite"/>
+                      </p:stCondLst>
+                      <p:childTnLst>
+                        <p:par>
+                          <p:cTn id="22" fill="hold">
+                            <p:stCondLst>
+                              <p:cond delay="0"/>
+                            </p:stCondLst>
+                            <p:childTnLst>
+                              <p:par>
+                                <p:cTn id="23" presetID="2" presetClass="entr" presetSubtype="4" fill="hold" grpId="0" nodeType="clickEffect">
+                                  <p:stCondLst>
+                                    <p:cond delay="0"/>
+                                  </p:stCondLst>
+                                  <p:childTnLst>
+                                    <p:set>
+                                      <p:cBhvr>
+                                        <p:cTn id="24" dur="1" fill="hold">
+                                          <p:stCondLst>
+                                            <p:cond delay="0"/>
+                                          </p:stCondLst>
+                                        </p:cTn>
+                                        <p:tgtEl>
+                                          <p:spTgt spid="3">
+                                            <p:txEl>
+                                              <p:pRg st="3" end="3"/>
+                                            </p:txEl>
+                                          </p:spTgt>
+                                        </p:tgtEl>
+                                        <p:attrNameLst>
+                                          <p:attrName>style.visibility</p:attrName>
+                                        </p:attrNameLst>
+                                      </p:cBhvr>
+                                      <p:to>
+                                        <p:strVal val="visible"/>
+                                      </p:to>
+                                    </p:set>
+                                    <p:anim calcmode="lin" valueType="num">
+                                      <p:cBhvr additive="base">
+                                        <p:cTn id="25" dur="500" fill="hold"/>
+                                        <p:tgtEl>
+                                          <p:spTgt spid="3">
+                                            <p:txEl>
+                                              <p:pRg st="3" end="3"/>
+                                            </p:txEl>
+                                          </p:spTgt>
+                                        </p:tgtEl>
+                                        <p:attrNameLst>
+                                          <p:attrName>ppt_x</p:attrName>
+                                        </p:attrNameLst>
+                                      </p:cBhvr>
+                                      <p:tavLst>
+                                        <p:tav tm="0">
+                                          <p:val>
+                                            <p:strVal val="#ppt_x"/>
+                                          </p:val>
+                                        </p:tav>
+                                        <p:tav tm="100000">
+                                          <p:val>
+                                            <p:strVal val="#ppt_x"/>
+                                          </p:val>
+                                        </p:tav>
+                                      </p:tavLst>
+                                    </p:anim>
+                                    <p:anim calcmode="lin" valueType="num">
+                                      <p:cBhvr additive="base">
+                                        <p:cTn id="26" dur="500" fill="hold"/>
+                                        <p:tgtEl>
+                                          <p:spTgt spid="3">
+                                            <p:txEl>
+                                              <p:pRg st="3" end="3"/>
+                                            </p:txEl>
+                                          </p:spTgt>
+                                        </p:tgtEl>
+                                        <p:attrNameLst>
+                                          <p:attrName>ppt_y</p:attrName>
+                                        </p:attrNameLst>
+                                      </p:cBhvr>
+                                      <p:tavLst>
+                                        <p:tav tm="0">
+                                          <p:val>
+                                            <p:strVal val="1+#ppt_h/2"/>
+                                          </p:val>
+                                        </p:tav>
+                                        <p:tav tm="100000">
+                                          <p:val>
+                                            <p:strVal val="#ppt_y"/>
+                                          </p:val>
+                                        </p:tav>
+                                      </p:tavLst>
+                                    </p:anim>
+                                  </p:childTnLst>
+                                </p:cTn>
+                              </p:par>
+                            </p:childTnLst>
+                          </p:cTn>
+                        </p:par>
+                      </p:childTnLst>
+                    </p:cTn>
+                  </p:par>
+                  <p:par>
+                    <p:cTn id="27" fill="hold">
+                      <p:stCondLst>
+                        <p:cond delay="indefinite"/>
+                      </p:stCondLst>
+                      <p:childTnLst>
+                        <p:par>
+                          <p:cTn id="28" fill="hold">
+                            <p:stCondLst>
+                              <p:cond delay="0"/>
+                            </p:stCondLst>
+                            <p:childTnLst>
+                              <p:par>
+                                <p:cTn id="29" presetID="2" presetClass="entr" presetSubtype="4" fill="hold" grpId="0" nodeType="clickEffect">
+                                  <p:stCondLst>
+                                    <p:cond delay="0"/>
+                                  </p:stCondLst>
+                                  <p:childTnLst>
+                                    <p:set>
+                                      <p:cBhvr>
+                                        <p:cTn id="30" dur="1" fill="hold">
+                                          <p:stCondLst>
+                                            <p:cond delay="0"/>
+                                          </p:stCondLst>
+                                        </p:cTn>
+                                        <p:tgtEl>
+                                          <p:spTgt spid="3">
+                                            <p:txEl>
+                                              <p:pRg st="4" end="4"/>
+                                            </p:txEl>
+                                          </p:spTgt>
+                                        </p:tgtEl>
+                                        <p:attrNameLst>
+                                          <p:attrName>style.visibility</p:attrName>
+                                        </p:attrNameLst>
+                                      </p:cBhvr>
+                                      <p:to>
+                                        <p:strVal val="visible"/>
+                                      </p:to>
+                                    </p:set>
+                                    <p:anim calcmode="lin" valueType="num">
+                                      <p:cBhvr additive="base">
+                                        <p:cTn id="31" dur="500" fill="hold"/>
+                                        <p:tgtEl>
+                                          <p:spTgt spid="3">
+                                            <p:txEl>
+                                              <p:pRg st="4" end="4"/>
+                                            </p:txEl>
+                                          </p:spTgt>
+                                        </p:tgtEl>
+                                        <p:attrNameLst>
+                                          <p:attrName>ppt_x</p:attrName>
+                                        </p:attrNameLst>
+                                      </p:cBhvr>
+                                      <p:tavLst>
+                                        <p:tav tm="0">
+                                          <p:val>
+                                            <p:strVal val="#ppt_x"/>
+                                          </p:val>
+                                        </p:tav>
+                                        <p:tav tm="100000">
+                                          <p:val>
+                                            <p:strVal val="#ppt_x"/>
+                                          </p:val>
+                                        </p:tav>
+                                      </p:tavLst>
+                                    </p:anim>
+                                    <p:anim calcmode="lin" valueType="num">
+                                      <p:cBhvr additive="base">
+                                        <p:cTn id="32" dur="500" fill="hold"/>
+                                        <p:tgtEl>
+                                          <p:spTgt spid="3">
+                                            <p:txEl>
+                                              <p:pRg st="4" end="4"/>
+                                            </p:txEl>
+                                          </p:spTgt>
+                                        </p:tgtEl>
+                                        <p:attrNameLst>
+                                          <p:attrName>ppt_y</p:attrName>
+                                        </p:attrNameLst>
+                                      </p:cBhvr>
+                                      <p:tavLst>
+                                        <p:tav tm="0">
+                                          <p:val>
+                                            <p:strVal val="1+#ppt_h/2"/>
+                                          </p:val>
+                                        </p:tav>
+                                        <p:tav tm="100000">
+                                          <p:val>
+                                            <p:strVal val="#ppt_y"/>
+                                          </p:val>
+                                        </p:tav>
+                                      </p:tavLst>
+                                    </p:anim>
+                                  </p:childTnLst>
+                                </p:cTn>
+                              </p:par>
+                            </p:childTnLst>
+                          </p:cTn>
+                        </p:par>
+                      </p:childTnLst>
+                    </p:cTn>
+                  </p:par>
+                  <p:par>
+                    <p:cTn id="33" fill="hold">
+                      <p:stCondLst>
+                        <p:cond delay="indefinite"/>
+                      </p:stCondLst>
+                      <p:childTnLst>
+                        <p:par>
+                          <p:cTn id="34" fill="hold">
+                            <p:stCondLst>
+                              <p:cond delay="0"/>
+                            </p:stCondLst>
+                            <p:childTnLst>
+                              <p:par>
+                                <p:cTn id="35" presetID="2" presetClass="entr" presetSubtype="4" fill="hold" grpId="0" nodeType="clickEffect">
+                                  <p:stCondLst>
+                                    <p:cond delay="0"/>
+                                  </p:stCondLst>
+                                  <p:childTnLst>
+                                    <p:set>
+                                      <p:cBhvr>
+                                        <p:cTn id="36" dur="1" fill="hold">
+                                          <p:stCondLst>
+                                            <p:cond delay="0"/>
+                                          </p:stCondLst>
+                                        </p:cTn>
+                                        <p:tgtEl>
+                                          <p:spTgt spid="3">
+                                            <p:txEl>
+                                              <p:pRg st="5" end="5"/>
+                                            </p:txEl>
+                                          </p:spTgt>
+                                        </p:tgtEl>
+                                        <p:attrNameLst>
+                                          <p:attrName>style.visibility</p:attrName>
+                                        </p:attrNameLst>
+                                      </p:cBhvr>
+                                      <p:to>
+                                        <p:strVal val="visible"/>
+                                      </p:to>
+                                    </p:set>
+                                    <p:anim calcmode="lin" valueType="num">
+                                      <p:cBhvr additive="base">
+                                        <p:cTn id="37" dur="500" fill="hold"/>
+                                        <p:tgtEl>
+                                          <p:spTgt spid="3">
+                                            <p:txEl>
+                                              <p:pRg st="5" end="5"/>
+                                            </p:txEl>
+                                          </p:spTgt>
+                                        </p:tgtEl>
+                                        <p:attrNameLst>
+                                          <p:attrName>ppt_x</p:attrName>
+                                        </p:attrNameLst>
+                                      </p:cBhvr>
+                                      <p:tavLst>
+                                        <p:tav tm="0">
+                                          <p:val>
+                                            <p:strVal val="#ppt_x"/>
+                                          </p:val>
+                                        </p:tav>
+                                        <p:tav tm="100000">
+                                          <p:val>
+                                            <p:strVal val="#ppt_x"/>
+                                          </p:val>
+                                        </p:tav>
+                                      </p:tavLst>
+                                    </p:anim>
+                                    <p:anim calcmode="lin" valueType="num">
+                                      <p:cBhvr additive="base">
+                                        <p:cTn id="38" dur="500" fill="hold"/>
+                                        <p:tgtEl>
+                                          <p:spTgt spid="3">
+                                            <p:txEl>
+                                              <p:pRg st="5" end="5"/>
+                                            </p:txEl>
+                                          </p:spTgt>
+                                        </p:tgtEl>
+                                        <p:attrNameLst>
+                                          <p:attrName>ppt_y</p:attrName>
+                                        </p:attrNameLst>
+                                      </p:cBhvr>
+                                      <p:tavLst>
+                                        <p:tav tm="0">
+                                          <p:val>
+                                            <p:strVal val="1+#ppt_h/2"/>
+                                          </p:val>
+                                        </p:tav>
+                                        <p:tav tm="100000">
+                                          <p:val>
+                                            <p:strVal val="#ppt_y"/>
+                                          </p:val>
+                                        </p:tav>
+                                      </p:tavLst>
+                                    </p:anim>
+                                  </p:childTnLst>
+                                </p:cTn>
+                              </p:par>
+                            </p:childTnLst>
+                          </p:cTn>
+                        </p:par>
+                      </p:childTnLst>
+                    </p:cTn>
+                  </p:par>
+                  <p:par>
+                    <p:cTn id="39" fill="hold">
+                      <p:stCondLst>
+                        <p:cond delay="indefinite"/>
+                      </p:stCondLst>
+                      <p:childTnLst>
+                        <p:par>
+                          <p:cTn id="40" fill="hold">
+                            <p:stCondLst>
+                              <p:cond delay="0"/>
+                            </p:stCondLst>
+                            <p:childTnLst>
+                              <p:par>
+                                <p:cTn id="41" presetID="2" presetClass="entr" presetSubtype="4" fill="hold" grpId="0" nodeType="clickEffect">
+                                  <p:stCondLst>
+                                    <p:cond delay="0"/>
+                                  </p:stCondLst>
+                                  <p:childTnLst>
+                                    <p:set>
+                                      <p:cBhvr>
+                                        <p:cTn id="42" dur="1" fill="hold">
+                                          <p:stCondLst>
+                                            <p:cond delay="0"/>
+                                          </p:stCondLst>
+                                        </p:cTn>
+                                        <p:tgtEl>
+                                          <p:spTgt spid="3">
+                                            <p:txEl>
+                                              <p:pRg st="6" end="6"/>
+                                            </p:txEl>
+                                          </p:spTgt>
+                                        </p:tgtEl>
+                                        <p:attrNameLst>
+                                          <p:attrName>style.visibility</p:attrName>
+                                        </p:attrNameLst>
+                                      </p:cBhvr>
+                                      <p:to>
+                                        <p:strVal val="visible"/>
+                                      </p:to>
+                                    </p:set>
+                                    <p:anim calcmode="lin" valueType="num">
+                                      <p:cBhvr additive="base">
+                                        <p:cTn id="43" dur="500" fill="hold"/>
+                                        <p:tgtEl>
+                                          <p:spTgt spid="3">
+                                            <p:txEl>
+                                              <p:pRg st="6" end="6"/>
+                                            </p:txEl>
+                                          </p:spTgt>
+                                        </p:tgtEl>
+                                        <p:attrNameLst>
+                                          <p:attrName>ppt_x</p:attrName>
+                                        </p:attrNameLst>
+                                      </p:cBhvr>
+                                      <p:tavLst>
+                                        <p:tav tm="0">
+                                          <p:val>
+                                            <p:strVal val="#ppt_x"/>
+                                          </p:val>
+                                        </p:tav>
+                                        <p:tav tm="100000">
+                                          <p:val>
+                                            <p:strVal val="#ppt_x"/>
+                                          </p:val>
+                                        </p:tav>
+                                      </p:tavLst>
+                                    </p:anim>
+                                    <p:anim calcmode="lin" valueType="num">
+                                      <p:cBhvr additive="base">
+                                        <p:cTn id="44" dur="500" fill="hold"/>
+                                        <p:tgtEl>
+                                          <p:spTgt spid="3">
+                                            <p:txEl>
+                                              <p:pRg st="6" end="6"/>
+                                            </p:txEl>
+                                          </p:spTgt>
+                                        </p:tgtEl>
+                                        <p:attrNameLst>
+                                          <p:attrName>ppt_y</p:attrName>
+                                        </p:attrNameLst>
+                                      </p:cBhvr>
+                                      <p:tavLst>
+                                        <p:tav tm="0">
+                                          <p:val>
+                                            <p:strVal val="1+#ppt_h/2"/>
+                                          </p:val>
+                                        </p:tav>
+                                        <p:tav tm="100000">
+                                          <p:val>
+                                            <p:strVal val="#ppt_y"/>
+                                          </p:val>
+                                        </p:tav>
+                                      </p:tavLst>
+                                    </p:anim>
+                                  </p:childTnLst>
+                                </p:cTn>
+                              </p:par>
+                            </p:childTnLst>
+                          </p:cTn>
+                        </p:par>
+                      </p:childTnLst>
+                    </p:cTn>
+                  </p:par>
+                </p:childTnLst>
+              </p:cTn>
+              <p:prevCondLst>
+                <p:cond evt="onPrev" delay="0">
+                  <p:tgtEl>
+                    <p:sldTgt/>
+                  </p:tgtEl>
+                </p:cond>
+              </p:prevCondLst>
+              <p:nextCondLst>
+                <p:cond evt="onNext" delay="0">
+                  <p:tgtEl>
+                    <p:sldTgt/>
+                  </p:tgtEl>
+                </p:cond>
+              </p:nextCondLst>
+            </p:seq>
+          </p:childTnLst>
+        </p:cTn>
       </p:par>
     </p:tnLst>
+    <p:bldLst>
+      <p:bldP spid="3" grpId="0" build="p"/>
+    </p:bldLst>
   </p:timing>
 </p:sld>
 </file>
@@ -5805,10 +7071,10 @@
           <a:lstStyle/>
           <a:p>
             <a:r>
-              <a:rPr lang="en-US" dirty="0" smtClean="0"/>
+              <a:rPr lang="en-US" b="1" dirty="0" smtClean="0"/>
               <a:t>CartoDB</a:t>
             </a:r>
-            <a:endParaRPr lang="en-US" dirty="0"/>
+            <a:endParaRPr lang="en-US" b="1" dirty="0"/>
           </a:p>
         </p:txBody>
       </p:sp>
@@ -5832,12 +7098,8 @@
               <a:buChar char="ü"/>
             </a:pPr>
             <a:r>
-              <a:rPr lang="en-US" dirty="0"/>
-              <a:t>CartoDB is a geospatial database on the </a:t>
-            </a:r>
-            <a:r>
               <a:rPr lang="en-US" dirty="0" smtClean="0"/>
-              <a:t>cloud, allows </a:t>
+              <a:t>Introduction to CartoDB</a:t>
             </a:r>
           </a:p>
           <a:p>
@@ -5846,12 +7108,8 @@
               <a:buChar char="ü"/>
             </a:pPr>
             <a:r>
-              <a:rPr lang="en-US" dirty="0"/>
-              <a:t>quickly create map based </a:t>
-            </a:r>
-            <a:r>
               <a:rPr lang="en-US" dirty="0" smtClean="0"/>
-              <a:t>visualizations</a:t>
+              <a:t>CartoDB is a geospatial database on the cloud</a:t>
             </a:r>
           </a:p>
           <a:p>
@@ -5859,6 +7117,14 @@
               <a:buFont typeface="Wingdings" charset="2"/>
               <a:buChar char="ü"/>
             </a:pPr>
+            <a:r>
+              <a:rPr lang="en-US" dirty="0" smtClean="0"/>
+              <a:t>Based on relational database tables using </a:t>
+            </a:r>
+            <a:r>
+              <a:rPr lang="en-US" dirty="0" err="1" smtClean="0"/>
+              <a:t>PostgreSQL</a:t>
+            </a:r>
             <a:endParaRPr lang="en-US" dirty="0" smtClean="0"/>
           </a:p>
           <a:p>
@@ -5866,7 +7132,85 @@
               <a:buFont typeface="Wingdings" charset="2"/>
               <a:buChar char="ü"/>
             </a:pPr>
-            <a:endParaRPr lang="en-US" dirty="0"/>
+            <a:r>
+              <a:rPr lang="en-US" dirty="0" smtClean="0"/>
+              <a:t>CartoDB editor</a:t>
+            </a:r>
+          </a:p>
+          <a:p>
+            <a:pPr marL="800100" lvl="1" indent="-342900">
+              <a:buFont typeface="Wingdings" charset="2"/>
+              <a:buChar char="ü"/>
+            </a:pPr>
+            <a:r>
+              <a:rPr lang="en-US" dirty="0" smtClean="0"/>
+              <a:t>Drag and drop </a:t>
+            </a:r>
+            <a:r>
+              <a:rPr lang="en-US" dirty="0" err="1" smtClean="0"/>
+              <a:t>geospacial</a:t>
+            </a:r>
+            <a:r>
+              <a:rPr lang="en-US" dirty="0" smtClean="0"/>
+              <a:t> data</a:t>
+            </a:r>
+          </a:p>
+          <a:p>
+            <a:pPr marL="800100" lvl="1" indent="-342900">
+              <a:buFont typeface="Wingdings" charset="2"/>
+              <a:buChar char="ü"/>
+            </a:pPr>
+            <a:r>
+              <a:rPr lang="en-US" dirty="0" smtClean="0"/>
+              <a:t>Create customized map</a:t>
+            </a:r>
+          </a:p>
+          <a:p>
+            <a:pPr marL="342900" indent="-342900">
+              <a:buFont typeface="Wingdings" charset="2"/>
+              <a:buChar char="ü"/>
+            </a:pPr>
+            <a:r>
+              <a:rPr lang="en-US" dirty="0" smtClean="0"/>
+              <a:t>CartoDB Platform</a:t>
+            </a:r>
+          </a:p>
+          <a:p>
+            <a:pPr marL="800100" lvl="1" indent="-342900">
+              <a:buFont typeface="Wingdings" charset="2"/>
+              <a:buChar char="ü"/>
+            </a:pPr>
+            <a:r>
+              <a:rPr lang="en-US" dirty="0" smtClean="0"/>
+              <a:t>Wraps  database with map and  provides SQL access to interact with data</a:t>
+            </a:r>
+          </a:p>
+          <a:p>
+            <a:pPr marL="800100" lvl="1" indent="-342900">
+              <a:buFont typeface="Wingdings" charset="2"/>
+              <a:buChar char="ü"/>
+            </a:pPr>
+            <a:r>
+              <a:rPr lang="en-US" dirty="0" smtClean="0"/>
+              <a:t>Import data from external sources such as </a:t>
+            </a:r>
+            <a:r>
+              <a:rPr lang="en-US" dirty="0"/>
+              <a:t>G</a:t>
+            </a:r>
+            <a:r>
+              <a:rPr lang="en-US" dirty="0" smtClean="0"/>
+              <a:t>oogle drive </a:t>
+            </a:r>
+            <a:r>
+              <a:rPr lang="en-US" dirty="0"/>
+              <a:t> </a:t>
+            </a:r>
+            <a:r>
+              <a:rPr lang="en-US" dirty="0" smtClean="0"/>
+              <a:t>&amp; Dropbox</a:t>
+            </a:r>
+            <a:endParaRPr lang="en-US" dirty="0" smtClean="0"/>
           </a:p>
         </p:txBody>
       </p:sp>
@@ -5880,146 +7224,17 @@
   <p:clrMapOvr>
     <a:masterClrMapping/>
   </p:clrMapOvr>
+  <p:timing>
+    <p:tnLst>
+      <p:par>
+        <p:cTn xmlns:p14="http://schemas.microsoft.com/office/powerpoint/2010/main" id="1" dur="indefinite" restart="never" nodeType="tmRoot"/>
+      </p:par>
+    </p:tnLst>
+  </p:timing>
 </p:sld>
 </file>
 
 <file path=ppt/slides/slide7.xml><?xml version="1.0" encoding="utf-8"?>
-<p:sld xmlns:a="http://schemas.openxmlformats.org/drawingml/2006/main" xmlns:r="http://schemas.openxmlformats.org/officeDocument/2006/relationships" xmlns:p="http://schemas.openxmlformats.org/presentationml/2006/main">
-  <p:cSld>
-    <p:spTree>
-      <p:nvGrpSpPr>
-        <p:cNvPr id="1" name=""/>
-        <p:cNvGrpSpPr/>
-        <p:nvPr/>
-      </p:nvGrpSpPr>
-      <p:grpSpPr>
-        <a:xfrm>
-          <a:off x="0" y="0"/>
-          <a:ext cx="0" cy="0"/>
-          <a:chOff x="0" y="0"/>
-          <a:chExt cx="0" cy="0"/>
-        </a:xfrm>
-      </p:grpSpPr>
-      <p:sp>
-        <p:nvSpPr>
-          <p:cNvPr id="2" name="Title 1"/>
-          <p:cNvSpPr>
-            <a:spLocks noGrp="1"/>
-          </p:cNvSpPr>
-          <p:nvPr>
-            <p:ph type="title"/>
-          </p:nvPr>
-        </p:nvSpPr>
-        <p:spPr/>
-        <p:txBody>
-          <a:bodyPr/>
-          <a:lstStyle/>
-          <a:p>
-            <a:endParaRPr lang="en-US"/>
-          </a:p>
-        </p:txBody>
-      </p:sp>
-      <p:sp>
-        <p:nvSpPr>
-          <p:cNvPr id="3" name="Content Placeholder 2"/>
-          <p:cNvSpPr>
-            <a:spLocks noGrp="1"/>
-          </p:cNvSpPr>
-          <p:nvPr>
-            <p:ph idx="1"/>
-          </p:nvPr>
-        </p:nvSpPr>
-        <p:spPr/>
-        <p:txBody>
-          <a:bodyPr/>
-          <a:lstStyle/>
-          <a:p>
-            <a:endParaRPr lang="en-US"/>
-          </a:p>
-        </p:txBody>
-      </p:sp>
-    </p:spTree>
-    <p:extLst>
-      <p:ext uri="{BB962C8B-B14F-4D97-AF65-F5344CB8AC3E}">
-        <p14:creationId xmlns:p14="http://schemas.microsoft.com/office/powerpoint/2010/main" val="3102665370"/>
-      </p:ext>
-    </p:extLst>
-  </p:cSld>
-  <p:clrMapOvr>
-    <a:masterClrMapping/>
-  </p:clrMapOvr>
-</p:sld>
-</file>
-
-<file path=ppt/slides/slide8.xml><?xml version="1.0" encoding="utf-8"?>
-<p:sld xmlns:a="http://schemas.openxmlformats.org/drawingml/2006/main" xmlns:r="http://schemas.openxmlformats.org/officeDocument/2006/relationships" xmlns:p="http://schemas.openxmlformats.org/presentationml/2006/main">
-  <p:cSld>
-    <p:spTree>
-      <p:nvGrpSpPr>
-        <p:cNvPr id="1" name=""/>
-        <p:cNvGrpSpPr/>
-        <p:nvPr/>
-      </p:nvGrpSpPr>
-      <p:grpSpPr>
-        <a:xfrm>
-          <a:off x="0" y="0"/>
-          <a:ext cx="0" cy="0"/>
-          <a:chOff x="0" y="0"/>
-          <a:chExt cx="0" cy="0"/>
-        </a:xfrm>
-      </p:grpSpPr>
-      <p:sp>
-        <p:nvSpPr>
-          <p:cNvPr id="2" name="Title 1"/>
-          <p:cNvSpPr>
-            <a:spLocks noGrp="1"/>
-          </p:cNvSpPr>
-          <p:nvPr>
-            <p:ph type="title"/>
-          </p:nvPr>
-        </p:nvSpPr>
-        <p:spPr/>
-        <p:txBody>
-          <a:bodyPr/>
-          <a:lstStyle/>
-          <a:p>
-            <a:endParaRPr lang="en-US"/>
-          </a:p>
-        </p:txBody>
-      </p:sp>
-      <p:sp>
-        <p:nvSpPr>
-          <p:cNvPr id="3" name="Content Placeholder 2"/>
-          <p:cNvSpPr>
-            <a:spLocks noGrp="1"/>
-          </p:cNvSpPr>
-          <p:nvPr>
-            <p:ph idx="1"/>
-          </p:nvPr>
-        </p:nvSpPr>
-        <p:spPr/>
-        <p:txBody>
-          <a:bodyPr/>
-          <a:lstStyle/>
-          <a:p>
-            <a:endParaRPr lang="en-US"/>
-          </a:p>
-        </p:txBody>
-      </p:sp>
-    </p:spTree>
-    <p:extLst>
-      <p:ext uri="{BB962C8B-B14F-4D97-AF65-F5344CB8AC3E}">
-        <p14:creationId xmlns:p14="http://schemas.microsoft.com/office/powerpoint/2010/main" val="3126529221"/>
-      </p:ext>
-    </p:extLst>
-  </p:cSld>
-  <p:clrMapOvr>
-    <a:masterClrMapping/>
-  </p:clrMapOvr>
-</p:sld>
-</file>
-
-<file path=ppt/slides/slide9.xml><?xml version="1.0" encoding="utf-8"?>
 <p:sld xmlns:a="http://schemas.openxmlformats.org/drawingml/2006/main" xmlns:r="http://schemas.openxmlformats.org/officeDocument/2006/relationships" xmlns:p="http://schemas.openxmlformats.org/presentationml/2006/main">
   <p:cSld>
     <p:spTree>
@@ -6090,6 +7305,145 @@
   <p:clrMapOvr>
     <a:masterClrMapping/>
   </p:clrMapOvr>
+  <p:timing>
+    <p:tnLst>
+      <p:par>
+        <p:cTn xmlns:p14="http://schemas.microsoft.com/office/powerpoint/2010/main" id="1" dur="indefinite" restart="never" nodeType="tmRoot"/>
+      </p:par>
+    </p:tnLst>
+  </p:timing>
+</p:sld>
+</file>
+
+<file path=ppt/slides/slide8.xml><?xml version="1.0" encoding="utf-8"?>
+<p:sld xmlns:a="http://schemas.openxmlformats.org/drawingml/2006/main" xmlns:r="http://schemas.openxmlformats.org/officeDocument/2006/relationships" xmlns:p="http://schemas.openxmlformats.org/presentationml/2006/main">
+  <p:cSld>
+    <p:spTree>
+      <p:nvGrpSpPr>
+        <p:cNvPr id="1" name=""/>
+        <p:cNvGrpSpPr/>
+        <p:nvPr/>
+      </p:nvGrpSpPr>
+      <p:grpSpPr>
+        <a:xfrm>
+          <a:off x="0" y="0"/>
+          <a:ext cx="0" cy="0"/>
+          <a:chOff x="0" y="0"/>
+          <a:chExt cx="0" cy="0"/>
+        </a:xfrm>
+      </p:grpSpPr>
+      <p:sp>
+        <p:nvSpPr>
+          <p:cNvPr id="2" name="Title 1"/>
+          <p:cNvSpPr>
+            <a:spLocks noGrp="1"/>
+          </p:cNvSpPr>
+          <p:nvPr>
+            <p:ph type="title"/>
+          </p:nvPr>
+        </p:nvSpPr>
+        <p:spPr>
+          <a:xfrm>
+            <a:off x="1677768" y="2719017"/>
+            <a:ext cx="5791200" cy="1371600"/>
+          </a:xfrm>
+        </p:spPr>
+        <p:txBody>
+          <a:bodyPr anchor="ctr"/>
+          <a:lstStyle/>
+          <a:p>
+            <a:pPr algn="ctr"/>
+            <a:r>
+              <a:rPr lang="en-US" dirty="0" smtClean="0"/>
+              <a:t>Questions</a:t>
+            </a:r>
+            <a:endParaRPr lang="en-US" dirty="0"/>
+          </a:p>
+        </p:txBody>
+      </p:sp>
+    </p:spTree>
+    <p:extLst>
+      <p:ext uri="{BB962C8B-B14F-4D97-AF65-F5344CB8AC3E}">
+        <p14:creationId xmlns:p14="http://schemas.microsoft.com/office/powerpoint/2010/main" val="188285732"/>
+      </p:ext>
+    </p:extLst>
+  </p:cSld>
+  <p:clrMapOvr>
+    <a:masterClrMapping/>
+  </p:clrMapOvr>
+  <p:timing>
+    <p:tnLst>
+      <p:par>
+        <p:cTn xmlns:p14="http://schemas.microsoft.com/office/powerpoint/2010/main" id="1" dur="indefinite" restart="never" nodeType="tmRoot"/>
+      </p:par>
+    </p:tnLst>
+  </p:timing>
+</p:sld>
+</file>
+
+<file path=ppt/slides/slide9.xml><?xml version="1.0" encoding="utf-8"?>
+<p:sld xmlns:a="http://schemas.openxmlformats.org/drawingml/2006/main" xmlns:r="http://schemas.openxmlformats.org/officeDocument/2006/relationships" xmlns:p="http://schemas.openxmlformats.org/presentationml/2006/main">
+  <p:cSld>
+    <p:spTree>
+      <p:nvGrpSpPr>
+        <p:cNvPr id="1" name=""/>
+        <p:cNvGrpSpPr/>
+        <p:nvPr/>
+      </p:nvGrpSpPr>
+      <p:grpSpPr>
+        <a:xfrm>
+          <a:off x="0" y="0"/>
+          <a:ext cx="0" cy="0"/>
+          <a:chOff x="0" y="0"/>
+          <a:chExt cx="0" cy="0"/>
+        </a:xfrm>
+      </p:grpSpPr>
+      <p:sp>
+        <p:nvSpPr>
+          <p:cNvPr id="2" name="Title 1"/>
+          <p:cNvSpPr>
+            <a:spLocks noGrp="1"/>
+          </p:cNvSpPr>
+          <p:nvPr>
+            <p:ph type="title"/>
+          </p:nvPr>
+        </p:nvSpPr>
+        <p:spPr>
+          <a:xfrm>
+            <a:off x="1677775" y="2719003"/>
+            <a:ext cx="5791200" cy="1371600"/>
+          </a:xfrm>
+        </p:spPr>
+        <p:txBody>
+          <a:bodyPr anchor="ctr"/>
+          <a:lstStyle/>
+          <a:p>
+            <a:pPr algn="ctr"/>
+            <a:r>
+              <a:rPr lang="en-US" dirty="0" smtClean="0"/>
+              <a:t>Thank you</a:t>
+            </a:r>
+            <a:endParaRPr lang="en-US" dirty="0"/>
+          </a:p>
+        </p:txBody>
+      </p:sp>
+    </p:spTree>
+    <p:extLst>
+      <p:ext uri="{BB962C8B-B14F-4D97-AF65-F5344CB8AC3E}">
+        <p14:creationId xmlns:p14="http://schemas.microsoft.com/office/powerpoint/2010/main" val="1927743271"/>
+      </p:ext>
+    </p:extLst>
+  </p:cSld>
+  <p:clrMapOvr>
+    <a:masterClrMapping/>
+  </p:clrMapOvr>
+  <p:timing>
+    <p:tnLst>
+      <p:par>
+        <p:cTn xmlns:p14="http://schemas.microsoft.com/office/powerpoint/2010/main" id="1" dur="indefinite" restart="never" nodeType="tmRoot"/>
+      </p:par>
+    </p:tnLst>
+  </p:timing>
 </p:sld>
 </file>
 
